--- a/project_3/Presentation.pptx
+++ b/project_3/Presentation.pptx
@@ -11469,7 +11469,7 @@
         </p:spPr>
         <p:txBody>
           <a:bodyPr>
-            <a:normAutofit/>
+            <a:normAutofit fontScale="92500" lnSpcReduction="10000"/>
           </a:bodyPr>
           <a:lstStyle/>
           <a:p>
@@ -11648,8 +11648,72 @@
                 <a:latin typeface="Arial" panose="020B0604020202020204" pitchFamily="34" charset="0"/>
                 <a:cs typeface="Arial" panose="020B0604020202020204" pitchFamily="34" charset="0"/>
               </a:rPr>
-              <a:t>4 Models tested – Logistic Regression, Naïve Bayes Multinomial, Random Forest, Support Vector</a:t>
-            </a:r>
+              <a:t>4 Models eliminated due to overfitting – K-Nearest Neighbours, Decision Tree, Bagged Decision trees, Adaptive Boost</a:t>
+            </a:r>
+          </a:p>
+          <a:p>
+            <a:pPr lvl="1"/>
+            <a:r>
+              <a:rPr lang="en-SG" sz="1600" dirty="0">
+                <a:latin typeface="Arial" panose="020B0604020202020204" pitchFamily="34" charset="0"/>
+                <a:cs typeface="Arial" panose="020B0604020202020204" pitchFamily="34" charset="0"/>
+              </a:rPr>
+              <a:t>4 Models tested – </a:t>
+            </a:r>
+            <a:r>
+              <a:rPr lang="en-SG" sz="1600" u="sng" dirty="0">
+                <a:latin typeface="Arial" panose="020B0604020202020204" pitchFamily="34" charset="0"/>
+                <a:cs typeface="Arial" panose="020B0604020202020204" pitchFamily="34" charset="0"/>
+              </a:rPr>
+              <a:t>Logistic Regression</a:t>
+            </a:r>
+            <a:r>
+              <a:rPr lang="en-SG" sz="1600" dirty="0">
+                <a:latin typeface="Arial" panose="020B0604020202020204" pitchFamily="34" charset="0"/>
+                <a:cs typeface="Arial" panose="020B0604020202020204" pitchFamily="34" charset="0"/>
+              </a:rPr>
+              <a:t>, </a:t>
+            </a:r>
+            <a:r>
+              <a:rPr lang="en-SG" sz="1600" u="sng" dirty="0">
+                <a:latin typeface="Arial" panose="020B0604020202020204" pitchFamily="34" charset="0"/>
+                <a:cs typeface="Arial" panose="020B0604020202020204" pitchFamily="34" charset="0"/>
+              </a:rPr>
+              <a:t>Naïve Bayes Multinomial</a:t>
+            </a:r>
+            <a:r>
+              <a:rPr lang="en-SG" sz="1600" dirty="0">
+                <a:latin typeface="Arial" panose="020B0604020202020204" pitchFamily="34" charset="0"/>
+                <a:cs typeface="Arial" panose="020B0604020202020204" pitchFamily="34" charset="0"/>
+              </a:rPr>
+              <a:t>, </a:t>
+            </a:r>
+            <a:r>
+              <a:rPr lang="en-SG" sz="1600" u="sng" dirty="0">
+                <a:latin typeface="Arial" panose="020B0604020202020204" pitchFamily="34" charset="0"/>
+                <a:cs typeface="Arial" panose="020B0604020202020204" pitchFamily="34" charset="0"/>
+              </a:rPr>
+              <a:t>Random Forest</a:t>
+            </a:r>
+            <a:r>
+              <a:rPr lang="en-SG" sz="1600" dirty="0">
+                <a:latin typeface="Arial" panose="020B0604020202020204" pitchFamily="34" charset="0"/>
+                <a:cs typeface="Arial" panose="020B0604020202020204" pitchFamily="34" charset="0"/>
+              </a:rPr>
+              <a:t>, </a:t>
+            </a:r>
+            <a:r>
+              <a:rPr lang="en-SG" sz="1600" u="sng" dirty="0">
+                <a:latin typeface="Arial" panose="020B0604020202020204" pitchFamily="34" charset="0"/>
+                <a:cs typeface="Arial" panose="020B0604020202020204" pitchFamily="34" charset="0"/>
+              </a:rPr>
+              <a:t>Support Vector</a:t>
+            </a:r>
+          </a:p>
+          <a:p>
+            <a:pPr marL="274320" lvl="1" indent="0">
+              <a:buNone/>
+            </a:pPr>
             <a:endParaRPr lang="en-SG" sz="1800" dirty="0">
               <a:latin typeface="Arial" panose="020B0604020202020204" pitchFamily="34" charset="0"/>
               <a:cs typeface="Arial" panose="020B0604020202020204" pitchFamily="34" charset="0"/>
@@ -11786,7 +11850,7 @@
                 <a:latin typeface="Times New Roman" panose="02020603050405020304" pitchFamily="18" charset="0"/>
                 <a:cs typeface="Times New Roman" panose="02020603050405020304" pitchFamily="18" charset="0"/>
               </a:rPr>
-              <a:t>Tfidf</a:t>
+              <a:t>Tf-idf</a:t>
             </a:r>
             <a:r>
               <a:rPr lang="en-SG" b="1" dirty="0">
@@ -13031,7 +13095,7 @@
           <p:nvPr>
             <p:extLst>
               <p:ext uri="{D42A27DB-BD31-4B8C-83A1-F6EECF244321}">
-                <p14:modId xmlns:p14="http://schemas.microsoft.com/office/powerpoint/2010/main" val="1816884363"/>
+                <p14:modId xmlns:p14="http://schemas.microsoft.com/office/powerpoint/2010/main" val="3020697845"/>
               </p:ext>
             </p:extLst>
           </p:nvPr>
@@ -13078,11 +13142,15 @@
                       <a:pPr algn="ctr"/>
                       <a:r>
                         <a:rPr lang="en-SG" sz="1200" b="1" dirty="0" err="1"/>
-                        <a:t>Tfidf</a:t>
+                        <a:t>Tfi</a:t>
+                      </a:r>
+                      <a:r>
+                        <a:rPr lang="en-SG" sz="1200" b="1"/>
+                        <a:t>-df </a:t>
                       </a:r>
                       <a:r>
                         <a:rPr lang="en-SG" sz="1200" b="1" dirty="0"/>
-                        <a:t> Vectorizer – Most Important features</a:t>
+                        <a:t>Vectorizer – Most Important features</a:t>
                       </a:r>
                       <a:endParaRPr lang="en-SG" sz="1200" b="1" dirty="0">
                         <a:latin typeface="Times New Roman" panose="02020603050405020304" pitchFamily="18" charset="0"/>

--- a/project_3/Presentation.pptx
+++ b/project_3/Presentation.pptx
@@ -9291,7 +9291,7 @@
                 <a:latin typeface="Arial" panose="020B0604020202020204" pitchFamily="34" charset="0"/>
                 <a:cs typeface="Arial" panose="020B0604020202020204" pitchFamily="34" charset="0"/>
               </a:rPr>
-              <a:t>Tfidf</a:t>
+              <a:t>Tf-idf</a:t>
             </a:r>
             <a:r>
               <a:rPr lang="en-SG" sz="2000" u="sng" dirty="0">
@@ -9310,14 +9310,14 @@
           <a:p>
             <a:pPr lvl="1"/>
             <a:r>
-              <a:rPr lang="en-SG" sz="1800" b="1" dirty="0" err="1">
+              <a:rPr lang="en-SG" sz="1800" b="1" u="sng" dirty="0" err="1">
                 <a:latin typeface="Arial" panose="020B0604020202020204" pitchFamily="34" charset="0"/>
                 <a:cs typeface="Arial" panose="020B0604020202020204" pitchFamily="34" charset="0"/>
               </a:rPr>
-              <a:t>Tfidf</a:t>
-            </a:r>
-            <a:r>
-              <a:rPr lang="en-SG" sz="1800" b="1" dirty="0">
+              <a:t>Tf-idf</a:t>
+            </a:r>
+            <a:r>
+              <a:rPr lang="en-SG" sz="1800" b="1" u="sng" dirty="0">
                 <a:latin typeface="Arial" panose="020B0604020202020204" pitchFamily="34" charset="0"/>
                 <a:cs typeface="Arial" panose="020B0604020202020204" pitchFamily="34" charset="0"/>
               </a:rPr>
@@ -9341,11 +9341,18 @@
           <a:p>
             <a:pPr lvl="1"/>
             <a:r>
+              <a:rPr lang="en-SG" sz="1800" b="1" u="sng" dirty="0">
+                <a:latin typeface="Arial" panose="020B0604020202020204" pitchFamily="34" charset="0"/>
+                <a:cs typeface="Arial" panose="020B0604020202020204" pitchFamily="34" charset="0"/>
+              </a:rPr>
+              <a:t>Naïve Bayes Multinomial Classifier</a:t>
+            </a:r>
+            <a:r>
               <a:rPr lang="en-SG" sz="1800" b="1" dirty="0">
                 <a:latin typeface="Arial" panose="020B0604020202020204" pitchFamily="34" charset="0"/>
                 <a:cs typeface="Arial" panose="020B0604020202020204" pitchFamily="34" charset="0"/>
               </a:rPr>
-              <a:t>Naïve Bayes Multinomial Classifier </a:t>
+              <a:t> </a:t>
             </a:r>
             <a:r>
               <a:rPr lang="en-SG" sz="1800" dirty="0">
@@ -9358,25 +9365,18 @@
           <a:p>
             <a:pPr lvl="2"/>
             <a:r>
-              <a:rPr lang="en-SG" sz="1600" b="1">
+              <a:rPr lang="en-SG" sz="1600" b="1" dirty="0">
                 <a:latin typeface="Arial" panose="020B0604020202020204" pitchFamily="34" charset="0"/>
                 <a:cs typeface="Arial" panose="020B0604020202020204" pitchFamily="34" charset="0"/>
               </a:rPr>
               <a:t>Accuracy </a:t>
             </a:r>
             <a:r>
-              <a:rPr lang="en-SG" sz="1600">
-                <a:latin typeface="Arial" panose="020B0604020202020204" pitchFamily="34" charset="0"/>
-                <a:cs typeface="Arial" panose="020B0604020202020204" pitchFamily="34" charset="0"/>
-              </a:rPr>
-              <a:t>– </a:t>
-            </a:r>
-            <a:r>
               <a:rPr lang="en-SG" sz="1600" dirty="0">
                 <a:latin typeface="Arial" panose="020B0604020202020204" pitchFamily="34" charset="0"/>
                 <a:cs typeface="Arial" panose="020B0604020202020204" pitchFamily="34" charset="0"/>
               </a:rPr>
-              <a:t>Making correct predictions</a:t>
+              <a:t>– Making correct predictions</a:t>
             </a:r>
           </a:p>
           <a:p>
@@ -10854,7 +10854,7 @@
         <p:spPr>
           <a:xfrm>
             <a:off x="679938" y="3814618"/>
-            <a:ext cx="8288216" cy="2733964"/>
+            <a:ext cx="10445262" cy="2733964"/>
           </a:xfrm>
         </p:spPr>
         <p:txBody>
@@ -11598,7 +11598,7 @@
                 <a:latin typeface="Arial" panose="020B0604020202020204" pitchFamily="34" charset="0"/>
                 <a:cs typeface="Arial" panose="020B0604020202020204" pitchFamily="34" charset="0"/>
               </a:rPr>
-              <a:t>Tfidf</a:t>
+              <a:t>Tf-idf</a:t>
             </a:r>
             <a:r>
               <a:rPr lang="en-SG" sz="1600" dirty="0">
@@ -12115,7 +12115,7 @@
           <p:nvPr>
             <p:extLst>
               <p:ext uri="{D42A27DB-BD31-4B8C-83A1-F6EECF244321}">
-                <p14:modId xmlns:p14="http://schemas.microsoft.com/office/powerpoint/2010/main" val="2046049774"/>
+                <p14:modId xmlns:p14="http://schemas.microsoft.com/office/powerpoint/2010/main" val="3737357258"/>
               </p:ext>
             </p:extLst>
           </p:nvPr>
@@ -12315,7 +12315,7 @@
                   <a:tcPr>
                     <a:solidFill>
                       <a:schemeClr val="bg1">
-                        <a:lumMod val="85000"/>
+                        <a:lumMod val="75000"/>
                       </a:schemeClr>
                     </a:solidFill>
                   </a:tcPr>
@@ -12339,7 +12339,7 @@
                   <a:tcPr>
                     <a:solidFill>
                       <a:schemeClr val="bg1">
-                        <a:lumMod val="85000"/>
+                        <a:lumMod val="75000"/>
                       </a:schemeClr>
                     </a:solidFill>
                   </a:tcPr>
@@ -12363,7 +12363,7 @@
                   <a:tcPr>
                     <a:solidFill>
                       <a:schemeClr val="bg1">
-                        <a:lumMod val="85000"/>
+                        <a:lumMod val="75000"/>
                       </a:schemeClr>
                     </a:solidFill>
                   </a:tcPr>
@@ -12393,7 +12393,7 @@
                   <a:tcPr>
                     <a:solidFill>
                       <a:schemeClr val="bg1">
-                        <a:lumMod val="85000"/>
+                        <a:lumMod val="75000"/>
                       </a:schemeClr>
                     </a:solidFill>
                   </a:tcPr>
@@ -12417,7 +12417,7 @@
                   <a:tcPr>
                     <a:solidFill>
                       <a:schemeClr val="bg1">
-                        <a:lumMod val="85000"/>
+                        <a:lumMod val="75000"/>
                       </a:schemeClr>
                     </a:solidFill>
                   </a:tcPr>
@@ -12441,7 +12441,7 @@
                   <a:tcPr>
                     <a:solidFill>
                       <a:schemeClr val="bg1">
-                        <a:lumMod val="85000"/>
+                        <a:lumMod val="75000"/>
                       </a:schemeClr>
                     </a:solidFill>
                   </a:tcPr>
@@ -12471,7 +12471,7 @@
                   <a:tcPr>
                     <a:solidFill>
                       <a:schemeClr val="bg1">
-                        <a:lumMod val="85000"/>
+                        <a:lumMod val="75000"/>
                       </a:schemeClr>
                     </a:solidFill>
                   </a:tcPr>
@@ -12495,7 +12495,7 @@
                   <a:tcPr>
                     <a:solidFill>
                       <a:schemeClr val="bg1">
-                        <a:lumMod val="85000"/>
+                        <a:lumMod val="75000"/>
                       </a:schemeClr>
                     </a:solidFill>
                   </a:tcPr>
@@ -12519,7 +12519,7 @@
                   <a:tcPr>
                     <a:solidFill>
                       <a:schemeClr val="bg1">
-                        <a:lumMod val="85000"/>
+                        <a:lumMod val="75000"/>
                       </a:schemeClr>
                     </a:solidFill>
                   </a:tcPr>
@@ -12549,7 +12549,7 @@
                   <a:tcPr>
                     <a:solidFill>
                       <a:schemeClr val="bg1">
-                        <a:lumMod val="85000"/>
+                        <a:lumMod val="95000"/>
                       </a:schemeClr>
                     </a:solidFill>
                   </a:tcPr>
@@ -12573,7 +12573,7 @@
                   <a:tcPr>
                     <a:solidFill>
                       <a:schemeClr val="bg1">
-                        <a:lumMod val="85000"/>
+                        <a:lumMod val="95000"/>
                       </a:schemeClr>
                     </a:solidFill>
                   </a:tcPr>
@@ -12597,7 +12597,7 @@
                   <a:tcPr>
                     <a:solidFill>
                       <a:schemeClr val="bg1">
-                        <a:lumMod val="85000"/>
+                        <a:lumMod val="95000"/>
                       </a:schemeClr>
                     </a:solidFill>
                   </a:tcPr>
@@ -12627,7 +12627,7 @@
                   <a:tcPr>
                     <a:solidFill>
                       <a:schemeClr val="bg1">
-                        <a:lumMod val="85000"/>
+                        <a:lumMod val="75000"/>
                       </a:schemeClr>
                     </a:solidFill>
                   </a:tcPr>
@@ -12651,7 +12651,7 @@
                   <a:tcPr>
                     <a:solidFill>
                       <a:schemeClr val="bg1">
-                        <a:lumMod val="85000"/>
+                        <a:lumMod val="75000"/>
                       </a:schemeClr>
                     </a:solidFill>
                   </a:tcPr>
@@ -12675,7 +12675,7 @@
                   <a:tcPr>
                     <a:solidFill>
                       <a:schemeClr val="bg1">
-                        <a:lumMod val="85000"/>
+                        <a:lumMod val="75000"/>
                       </a:schemeClr>
                     </a:solidFill>
                   </a:tcPr>
@@ -12705,7 +12705,7 @@
                   <a:tcPr>
                     <a:solidFill>
                       <a:schemeClr val="bg1">
-                        <a:lumMod val="85000"/>
+                        <a:lumMod val="95000"/>
                       </a:schemeClr>
                     </a:solidFill>
                   </a:tcPr>
@@ -12729,7 +12729,7 @@
                   <a:tcPr>
                     <a:solidFill>
                       <a:schemeClr val="bg1">
-                        <a:lumMod val="85000"/>
+                        <a:lumMod val="95000"/>
                       </a:schemeClr>
                     </a:solidFill>
                   </a:tcPr>
@@ -12753,7 +12753,7 @@
                   <a:tcPr>
                     <a:solidFill>
                       <a:schemeClr val="bg1">
-                        <a:lumMod val="85000"/>
+                        <a:lumMod val="95000"/>
                       </a:schemeClr>
                     </a:solidFill>
                   </a:tcPr>
@@ -12783,7 +12783,7 @@
                   <a:tcPr>
                     <a:solidFill>
                       <a:schemeClr val="bg1">
-                        <a:lumMod val="85000"/>
+                        <a:lumMod val="75000"/>
                       </a:schemeClr>
                     </a:solidFill>
                   </a:tcPr>
@@ -12807,7 +12807,7 @@
                   <a:tcPr>
                     <a:solidFill>
                       <a:schemeClr val="bg1">
-                        <a:lumMod val="85000"/>
+                        <a:lumMod val="75000"/>
                       </a:schemeClr>
                     </a:solidFill>
                   </a:tcPr>
@@ -12831,7 +12831,7 @@
                   <a:tcPr>
                     <a:solidFill>
                       <a:schemeClr val="bg1">
-                        <a:lumMod val="85000"/>
+                        <a:lumMod val="75000"/>
                       </a:schemeClr>
                     </a:solidFill>
                   </a:tcPr>
@@ -12861,7 +12861,7 @@
                   <a:tcPr>
                     <a:solidFill>
                       <a:schemeClr val="bg1">
-                        <a:lumMod val="85000"/>
+                        <a:lumMod val="75000"/>
                       </a:schemeClr>
                     </a:solidFill>
                   </a:tcPr>
@@ -12885,7 +12885,7 @@
                   <a:tcPr>
                     <a:solidFill>
                       <a:schemeClr val="bg1">
-                        <a:lumMod val="85000"/>
+                        <a:lumMod val="75000"/>
                       </a:schemeClr>
                     </a:solidFill>
                   </a:tcPr>
@@ -12909,7 +12909,7 @@
                   <a:tcPr>
                     <a:solidFill>
                       <a:schemeClr val="bg1">
-                        <a:lumMod val="85000"/>
+                        <a:lumMod val="75000"/>
                       </a:schemeClr>
                     </a:solidFill>
                   </a:tcPr>
@@ -12939,7 +12939,7 @@
                   <a:tcPr>
                     <a:solidFill>
                       <a:schemeClr val="bg1">
-                        <a:lumMod val="85000"/>
+                        <a:lumMod val="75000"/>
                       </a:schemeClr>
                     </a:solidFill>
                   </a:tcPr>
@@ -12963,7 +12963,7 @@
                   <a:tcPr>
                     <a:solidFill>
                       <a:schemeClr val="bg1">
-                        <a:lumMod val="85000"/>
+                        <a:lumMod val="75000"/>
                       </a:schemeClr>
                     </a:solidFill>
                   </a:tcPr>
@@ -12987,7 +12987,7 @@
                   <a:tcPr>
                     <a:solidFill>
                       <a:schemeClr val="bg1">
-                        <a:lumMod val="85000"/>
+                        <a:lumMod val="75000"/>
                       </a:schemeClr>
                     </a:solidFill>
                   </a:tcPr>
@@ -13017,7 +13017,7 @@
                   <a:tcPr>
                     <a:solidFill>
                       <a:schemeClr val="bg1">
-                        <a:lumMod val="85000"/>
+                        <a:lumMod val="75000"/>
                       </a:schemeClr>
                     </a:solidFill>
                   </a:tcPr>
@@ -13041,7 +13041,7 @@
                   <a:tcPr>
                     <a:solidFill>
                       <a:schemeClr val="bg1">
-                        <a:lumMod val="85000"/>
+                        <a:lumMod val="75000"/>
                       </a:schemeClr>
                     </a:solidFill>
                   </a:tcPr>
@@ -13065,7 +13065,7 @@
                   <a:tcPr>
                     <a:solidFill>
                       <a:schemeClr val="bg1">
-                        <a:lumMod val="85000"/>
+                        <a:lumMod val="75000"/>
                       </a:schemeClr>
                     </a:solidFill>
                   </a:tcPr>
@@ -13095,7 +13095,7 @@
           <p:nvPr>
             <p:extLst>
               <p:ext uri="{D42A27DB-BD31-4B8C-83A1-F6EECF244321}">
-                <p14:modId xmlns:p14="http://schemas.microsoft.com/office/powerpoint/2010/main" val="3020697845"/>
+                <p14:modId xmlns:p14="http://schemas.microsoft.com/office/powerpoint/2010/main" val="164458416"/>
               </p:ext>
             </p:extLst>
           </p:nvPr>
@@ -13303,7 +13303,7 @@
                   <a:tcPr>
                     <a:solidFill>
                       <a:schemeClr val="bg1">
-                        <a:lumMod val="85000"/>
+                        <a:lumMod val="95000"/>
                       </a:schemeClr>
                     </a:solidFill>
                   </a:tcPr>
@@ -13327,7 +13327,7 @@
                   <a:tcPr>
                     <a:solidFill>
                       <a:schemeClr val="bg1">
-                        <a:lumMod val="85000"/>
+                        <a:lumMod val="95000"/>
                       </a:schemeClr>
                     </a:solidFill>
                   </a:tcPr>
@@ -13351,7 +13351,7 @@
                   <a:tcPr>
                     <a:solidFill>
                       <a:schemeClr val="bg1">
-                        <a:lumMod val="85000"/>
+                        <a:lumMod val="95000"/>
                       </a:schemeClr>
                     </a:solidFill>
                   </a:tcPr>
@@ -13381,7 +13381,7 @@
                   <a:tcPr>
                     <a:solidFill>
                       <a:schemeClr val="bg1">
-                        <a:lumMod val="85000"/>
+                        <a:lumMod val="95000"/>
                       </a:schemeClr>
                     </a:solidFill>
                   </a:tcPr>
@@ -13405,7 +13405,7 @@
                   <a:tcPr>
                     <a:solidFill>
                       <a:schemeClr val="bg1">
-                        <a:lumMod val="85000"/>
+                        <a:lumMod val="95000"/>
                       </a:schemeClr>
                     </a:solidFill>
                   </a:tcPr>
@@ -13429,7 +13429,7 @@
                   <a:tcPr>
                     <a:solidFill>
                       <a:schemeClr val="bg1">
-                        <a:lumMod val="85000"/>
+                        <a:lumMod val="95000"/>
                       </a:schemeClr>
                     </a:solidFill>
                   </a:tcPr>
@@ -13459,7 +13459,7 @@
                   <a:tcPr>
                     <a:solidFill>
                       <a:schemeClr val="bg1">
-                        <a:lumMod val="85000"/>
+                        <a:lumMod val="95000"/>
                       </a:schemeClr>
                     </a:solidFill>
                   </a:tcPr>
@@ -13483,7 +13483,7 @@
                   <a:tcPr>
                     <a:solidFill>
                       <a:schemeClr val="bg1">
-                        <a:lumMod val="85000"/>
+                        <a:lumMod val="95000"/>
                       </a:schemeClr>
                     </a:solidFill>
                   </a:tcPr>
@@ -13507,7 +13507,7 @@
                   <a:tcPr>
                     <a:solidFill>
                       <a:schemeClr val="bg1">
-                        <a:lumMod val="85000"/>
+                        <a:lumMod val="95000"/>
                       </a:schemeClr>
                     </a:solidFill>
                   </a:tcPr>
@@ -13537,7 +13537,7 @@
                   <a:tcPr>
                     <a:solidFill>
                       <a:schemeClr val="bg1">
-                        <a:lumMod val="85000"/>
+                        <a:lumMod val="75000"/>
                       </a:schemeClr>
                     </a:solidFill>
                   </a:tcPr>
@@ -13561,7 +13561,7 @@
                   <a:tcPr>
                     <a:solidFill>
                       <a:schemeClr val="bg1">
-                        <a:lumMod val="85000"/>
+                        <a:lumMod val="75000"/>
                       </a:schemeClr>
                     </a:solidFill>
                   </a:tcPr>
@@ -13585,7 +13585,7 @@
                   <a:tcPr>
                     <a:solidFill>
                       <a:schemeClr val="bg1">
-                        <a:lumMod val="85000"/>
+                        <a:lumMod val="75000"/>
                       </a:schemeClr>
                     </a:solidFill>
                   </a:tcPr>
@@ -13615,7 +13615,7 @@
                   <a:tcPr>
                     <a:solidFill>
                       <a:schemeClr val="bg1">
-                        <a:lumMod val="85000"/>
+                        <a:lumMod val="95000"/>
                       </a:schemeClr>
                     </a:solidFill>
                   </a:tcPr>
@@ -13639,7 +13639,7 @@
                   <a:tcPr>
                     <a:solidFill>
                       <a:schemeClr val="bg1">
-                        <a:lumMod val="85000"/>
+                        <a:lumMod val="95000"/>
                       </a:schemeClr>
                     </a:solidFill>
                   </a:tcPr>
@@ -13663,7 +13663,7 @@
                   <a:tcPr>
                     <a:solidFill>
                       <a:schemeClr val="bg1">
-                        <a:lumMod val="85000"/>
+                        <a:lumMod val="95000"/>
                       </a:schemeClr>
                     </a:solidFill>
                   </a:tcPr>
@@ -13693,7 +13693,7 @@
                   <a:tcPr>
                     <a:solidFill>
                       <a:schemeClr val="bg1">
-                        <a:lumMod val="85000"/>
+                        <a:lumMod val="95000"/>
                       </a:schemeClr>
                     </a:solidFill>
                   </a:tcPr>
@@ -13717,7 +13717,7 @@
                   <a:tcPr>
                     <a:solidFill>
                       <a:schemeClr val="bg1">
-                        <a:lumMod val="85000"/>
+                        <a:lumMod val="95000"/>
                       </a:schemeClr>
                     </a:solidFill>
                   </a:tcPr>
@@ -13741,7 +13741,7 @@
                   <a:tcPr>
                     <a:solidFill>
                       <a:schemeClr val="bg1">
-                        <a:lumMod val="85000"/>
+                        <a:lumMod val="95000"/>
                       </a:schemeClr>
                     </a:solidFill>
                   </a:tcPr>
@@ -13771,7 +13771,7 @@
                   <a:tcPr>
                     <a:solidFill>
                       <a:schemeClr val="bg1">
-                        <a:lumMod val="85000"/>
+                        <a:lumMod val="95000"/>
                       </a:schemeClr>
                     </a:solidFill>
                   </a:tcPr>
@@ -13795,7 +13795,7 @@
                   <a:tcPr>
                     <a:solidFill>
                       <a:schemeClr val="bg1">
-                        <a:lumMod val="85000"/>
+                        <a:lumMod val="95000"/>
                       </a:schemeClr>
                     </a:solidFill>
                   </a:tcPr>
@@ -13819,7 +13819,7 @@
                   <a:tcPr>
                     <a:solidFill>
                       <a:schemeClr val="bg1">
-                        <a:lumMod val="85000"/>
+                        <a:lumMod val="95000"/>
                       </a:schemeClr>
                     </a:solidFill>
                   </a:tcPr>
@@ -13849,7 +13849,7 @@
                   <a:tcPr>
                     <a:solidFill>
                       <a:schemeClr val="bg1">
-                        <a:lumMod val="85000"/>
+                        <a:lumMod val="95000"/>
                       </a:schemeClr>
                     </a:solidFill>
                   </a:tcPr>
@@ -13873,7 +13873,7 @@
                   <a:tcPr>
                     <a:solidFill>
                       <a:schemeClr val="bg1">
-                        <a:lumMod val="85000"/>
+                        <a:lumMod val="95000"/>
                       </a:schemeClr>
                     </a:solidFill>
                   </a:tcPr>
@@ -13897,7 +13897,7 @@
                   <a:tcPr>
                     <a:solidFill>
                       <a:schemeClr val="bg1">
-                        <a:lumMod val="85000"/>
+                        <a:lumMod val="95000"/>
                       </a:schemeClr>
                     </a:solidFill>
                   </a:tcPr>
@@ -13927,7 +13927,7 @@
                   <a:tcPr>
                     <a:solidFill>
                       <a:schemeClr val="bg1">
-                        <a:lumMod val="85000"/>
+                        <a:lumMod val="75000"/>
                       </a:schemeClr>
                     </a:solidFill>
                   </a:tcPr>
@@ -13951,7 +13951,7 @@
                   <a:tcPr>
                     <a:solidFill>
                       <a:schemeClr val="bg1">
-                        <a:lumMod val="85000"/>
+                        <a:lumMod val="75000"/>
                       </a:schemeClr>
                     </a:solidFill>
                   </a:tcPr>
@@ -13975,7 +13975,7 @@
                   <a:tcPr>
                     <a:solidFill>
                       <a:schemeClr val="bg1">
-                        <a:lumMod val="85000"/>
+                        <a:lumMod val="75000"/>
                       </a:schemeClr>
                     </a:solidFill>
                   </a:tcPr>
@@ -14005,7 +14005,7 @@
                   <a:tcPr>
                     <a:solidFill>
                       <a:schemeClr val="bg1">
-                        <a:lumMod val="85000"/>
+                        <a:lumMod val="95000"/>
                       </a:schemeClr>
                     </a:solidFill>
                   </a:tcPr>
@@ -14029,7 +14029,7 @@
                   <a:tcPr>
                     <a:solidFill>
                       <a:schemeClr val="bg1">
-                        <a:lumMod val="85000"/>
+                        <a:lumMod val="95000"/>
                       </a:schemeClr>
                     </a:solidFill>
                   </a:tcPr>
@@ -14053,7 +14053,7 @@
                   <a:tcPr>
                     <a:solidFill>
                       <a:schemeClr val="bg1">
-                        <a:lumMod val="85000"/>
+                        <a:lumMod val="95000"/>
                       </a:schemeClr>
                     </a:solidFill>
                   </a:tcPr>
@@ -14631,6 +14631,13 @@
             </a:r>
           </a:p>
           <a:p>
+            <a:pPr lvl="1"/>
+            <a:endParaRPr lang="en-SG" sz="1800" dirty="0">
+              <a:latin typeface="Arial" panose="020B0604020202020204" pitchFamily="34" charset="0"/>
+              <a:cs typeface="Arial" panose="020B0604020202020204" pitchFamily="34" charset="0"/>
+            </a:endParaRPr>
+          </a:p>
+          <a:p>
             <a:r>
               <a:rPr lang="en-SG" sz="2000" u="sng" dirty="0">
                 <a:latin typeface="Arial" panose="020B0604020202020204" pitchFamily="34" charset="0"/>
@@ -14883,7 +14890,7 @@
             <p:ph idx="1"/>
             <p:extLst>
               <p:ext uri="{D42A27DB-BD31-4B8C-83A1-F6EECF244321}">
-                <p14:modId xmlns:p14="http://schemas.microsoft.com/office/powerpoint/2010/main" val="2118783841"/>
+                <p14:modId xmlns:p14="http://schemas.microsoft.com/office/powerpoint/2010/main" val="3316177812"/>
               </p:ext>
             </p:extLst>
           </p:nvPr>
@@ -14940,7 +14947,8 @@
                           <a:solidFill>
                             <a:schemeClr val="lt1"/>
                           </a:solidFill>
-                          <a:latin typeface="Selawik Light" panose="020B0502040204020203" pitchFamily="34" charset="0"/>
+                          <a:latin typeface="Arial" panose="020B0604020202020204" pitchFamily="34" charset="0"/>
+                          <a:cs typeface="Arial" panose="020B0604020202020204" pitchFamily="34" charset="0"/>
                         </a:rPr>
                         <a:t>Model</a:t>
                       </a:r>
@@ -14948,9 +14956,9 @@
                         <a:solidFill>
                           <a:schemeClr val="lt1"/>
                         </a:solidFill>
-                        <a:latin typeface="Selawik Light" panose="020B0502040204020203" pitchFamily="34" charset="0"/>
+                        <a:latin typeface="Arial" panose="020B0604020202020204" pitchFamily="34" charset="0"/>
                         <a:ea typeface="+mn-ea"/>
-                        <a:cs typeface="Times New Roman" panose="02020603050405020304" pitchFamily="18" charset="0"/>
+                        <a:cs typeface="Arial" panose="020B0604020202020204" pitchFamily="34" charset="0"/>
                       </a:endParaRPr>
                     </a:p>
                   </a:txBody>
@@ -14967,7 +14975,8 @@
                           <a:solidFill>
                             <a:schemeClr val="lt1"/>
                           </a:solidFill>
-                          <a:latin typeface="Selawik Light" panose="020B0502040204020203" pitchFamily="34" charset="0"/>
+                          <a:latin typeface="Arial" panose="020B0604020202020204" pitchFamily="34" charset="0"/>
+                          <a:cs typeface="Arial" panose="020B0604020202020204" pitchFamily="34" charset="0"/>
                         </a:rPr>
                         <a:t>GridSearchCV</a:t>
                       </a:r>
@@ -14975,7 +14984,8 @@
                         <a:solidFill>
                           <a:schemeClr val="lt1"/>
                         </a:solidFill>
-                        <a:latin typeface="Selawik Light" panose="020B0502040204020203" pitchFamily="34" charset="0"/>
+                        <a:latin typeface="Arial" panose="020B0604020202020204" pitchFamily="34" charset="0"/>
+                        <a:cs typeface="Arial" panose="020B0604020202020204" pitchFamily="34" charset="0"/>
                       </a:endParaRPr>
                     </a:p>
                     <a:p>
@@ -14985,7 +14995,8 @@
                           <a:solidFill>
                             <a:schemeClr val="lt1"/>
                           </a:solidFill>
-                          <a:latin typeface="Selawik Light" panose="020B0502040204020203" pitchFamily="34" charset="0"/>
+                          <a:latin typeface="Arial" panose="020B0604020202020204" pitchFamily="34" charset="0"/>
+                          <a:cs typeface="Arial" panose="020B0604020202020204" pitchFamily="34" charset="0"/>
                         </a:rPr>
                         <a:t>Accuracy</a:t>
                       </a:r>
@@ -14993,9 +15004,9 @@
                         <a:solidFill>
                           <a:schemeClr val="lt1"/>
                         </a:solidFill>
-                        <a:latin typeface="Selawik Light" panose="020B0502040204020203" pitchFamily="34" charset="0"/>
+                        <a:latin typeface="Arial" panose="020B0604020202020204" pitchFamily="34" charset="0"/>
                         <a:ea typeface="+mn-ea"/>
-                        <a:cs typeface="Times New Roman" panose="02020603050405020304" pitchFamily="18" charset="0"/>
+                        <a:cs typeface="Arial" panose="020B0604020202020204" pitchFamily="34" charset="0"/>
                       </a:endParaRPr>
                     </a:p>
                   </a:txBody>
@@ -15012,9 +15023,9 @@
                           <a:solidFill>
                             <a:schemeClr val="lt1"/>
                           </a:solidFill>
-                          <a:latin typeface="Selawik Light" panose="020B0502040204020203" pitchFamily="34" charset="0"/>
+                          <a:latin typeface="Arial" panose="020B0604020202020204" pitchFamily="34" charset="0"/>
                           <a:ea typeface="+mn-ea"/>
-                          <a:cs typeface="Times New Roman" panose="02020603050405020304" pitchFamily="18" charset="0"/>
+                          <a:cs typeface="Arial" panose="020B0604020202020204" pitchFamily="34" charset="0"/>
                         </a:rPr>
                         <a:t>Train Accuracy</a:t>
                       </a:r>
@@ -15033,9 +15044,9 @@
                           <a:solidFill>
                             <a:schemeClr val="lt1"/>
                           </a:solidFill>
-                          <a:latin typeface="Selawik Light" panose="020B0502040204020203" pitchFamily="34" charset="0"/>
+                          <a:latin typeface="Arial" panose="020B0604020202020204" pitchFamily="34" charset="0"/>
                           <a:ea typeface="+mn-ea"/>
-                          <a:cs typeface="Times New Roman" panose="02020603050405020304" pitchFamily="18" charset="0"/>
+                          <a:cs typeface="Arial" panose="020B0604020202020204" pitchFamily="34" charset="0"/>
                         </a:rPr>
                         <a:t>Test Accuracy</a:t>
                       </a:r>
@@ -15725,7 +15736,7 @@
             <p:ph idx="1"/>
             <p:extLst>
               <p:ext uri="{D42A27DB-BD31-4B8C-83A1-F6EECF244321}">
-                <p14:modId xmlns:p14="http://schemas.microsoft.com/office/powerpoint/2010/main" val="4082301789"/>
+                <p14:modId xmlns:p14="http://schemas.microsoft.com/office/powerpoint/2010/main" val="2939103731"/>
               </p:ext>
             </p:extLst>
           </p:nvPr>
@@ -15764,13 +15775,12 @@
                     <a:p>
                       <a:pPr algn="ctr"/>
                       <a:r>
-                        <a:rPr lang="en-SG" sz="1600" b="1" dirty="0"/>
+                        <a:rPr lang="en-SG" sz="1800" b="1" dirty="0">
+                          <a:latin typeface="Arial" panose="020B0604020202020204" pitchFamily="34" charset="0"/>
+                          <a:cs typeface="Arial" panose="020B0604020202020204" pitchFamily="34" charset="0"/>
+                        </a:rPr>
                         <a:t>Model</a:t>
                       </a:r>
-                      <a:endParaRPr lang="en-SG" sz="1600" b="1" dirty="0">
-                        <a:latin typeface="Times New Roman" panose="02020603050405020304" pitchFamily="18" charset="0"/>
-                        <a:cs typeface="Times New Roman" panose="02020603050405020304" pitchFamily="18" charset="0"/>
-                      </a:endParaRPr>
                     </a:p>
                   </a:txBody>
                   <a:tcPr/>
@@ -15782,13 +15792,12 @@
                     <a:p>
                       <a:pPr algn="ctr"/>
                       <a:r>
-                        <a:rPr lang="en-SG" sz="1600" b="1" dirty="0"/>
+                        <a:rPr lang="en-SG" sz="1800" b="1" dirty="0">
+                          <a:latin typeface="Arial" panose="020B0604020202020204" pitchFamily="34" charset="0"/>
+                          <a:cs typeface="Arial" panose="020B0604020202020204" pitchFamily="34" charset="0"/>
+                        </a:rPr>
                         <a:t>Sensitivity</a:t>
                       </a:r>
-                      <a:endParaRPr lang="en-SG" sz="1600" b="1" dirty="0">
-                        <a:latin typeface="Times New Roman" panose="02020603050405020304" pitchFamily="18" charset="0"/>
-                        <a:cs typeface="Times New Roman" panose="02020603050405020304" pitchFamily="18" charset="0"/>
-                      </a:endParaRPr>
                     </a:p>
                   </a:txBody>
                   <a:tcPr/>
@@ -16230,7 +16239,7 @@
             <p:ph idx="1"/>
             <p:extLst>
               <p:ext uri="{D42A27DB-BD31-4B8C-83A1-F6EECF244321}">
-                <p14:modId xmlns:p14="http://schemas.microsoft.com/office/powerpoint/2010/main" val="1499595587"/>
+                <p14:modId xmlns:p14="http://schemas.microsoft.com/office/powerpoint/2010/main" val="1017485434"/>
               </p:ext>
             </p:extLst>
           </p:nvPr>
@@ -16280,8 +16289,8 @@
                           <a:solidFill>
                             <a:schemeClr val="lt1"/>
                           </a:solidFill>
-                          <a:latin typeface="Calibri" panose="020F0502020204030204" pitchFamily="34" charset="0"/>
-                          <a:cs typeface="Calibri" panose="020F0502020204030204" pitchFamily="34" charset="0"/>
+                          <a:latin typeface="Arial" panose="020B0604020202020204" pitchFamily="34" charset="0"/>
+                          <a:cs typeface="Arial" panose="020B0604020202020204" pitchFamily="34" charset="0"/>
                         </a:rPr>
                         <a:t>Model</a:t>
                       </a:r>
@@ -16289,9 +16298,9 @@
                         <a:solidFill>
                           <a:schemeClr val="lt1"/>
                         </a:solidFill>
-                        <a:latin typeface="Calibri" panose="020F0502020204030204" pitchFamily="34" charset="0"/>
+                        <a:latin typeface="Arial" panose="020B0604020202020204" pitchFamily="34" charset="0"/>
                         <a:ea typeface="+mn-ea"/>
-                        <a:cs typeface="Calibri" panose="020F0502020204030204" pitchFamily="34" charset="0"/>
+                        <a:cs typeface="Arial" panose="020B0604020202020204" pitchFamily="34" charset="0"/>
                       </a:endParaRPr>
                     </a:p>
                   </a:txBody>
@@ -16308,8 +16317,8 @@
                           <a:solidFill>
                             <a:schemeClr val="lt1"/>
                           </a:solidFill>
-                          <a:latin typeface="Calibri" panose="020F0502020204030204" pitchFamily="34" charset="0"/>
-                          <a:cs typeface="Calibri" panose="020F0502020204030204" pitchFamily="34" charset="0"/>
+                          <a:latin typeface="Arial" panose="020B0604020202020204" pitchFamily="34" charset="0"/>
+                          <a:cs typeface="Arial" panose="020B0604020202020204" pitchFamily="34" charset="0"/>
                         </a:rPr>
                         <a:t>Train/Test accuracy drop</a:t>
                       </a:r>
@@ -16317,9 +16326,9 @@
                         <a:solidFill>
                           <a:schemeClr val="lt1"/>
                         </a:solidFill>
-                        <a:latin typeface="Calibri" panose="020F0502020204030204" pitchFamily="34" charset="0"/>
+                        <a:latin typeface="Arial" panose="020B0604020202020204" pitchFamily="34" charset="0"/>
                         <a:ea typeface="+mn-ea"/>
-                        <a:cs typeface="Calibri" panose="020F0502020204030204" pitchFamily="34" charset="0"/>
+                        <a:cs typeface="Arial" panose="020B0604020202020204" pitchFamily="34" charset="0"/>
                       </a:endParaRPr>
                     </a:p>
                   </a:txBody>
@@ -16336,18 +16345,18 @@
                           <a:solidFill>
                             <a:schemeClr val="lt1"/>
                           </a:solidFill>
-                          <a:latin typeface="Calibri" panose="020F0502020204030204" pitchFamily="34" charset="0"/>
-                          <a:cs typeface="Calibri" panose="020F0502020204030204" pitchFamily="34" charset="0"/>
+                          <a:latin typeface="Arial" panose="020B0604020202020204" pitchFamily="34" charset="0"/>
+                          <a:cs typeface="Arial" panose="020B0604020202020204" pitchFamily="34" charset="0"/>
                         </a:rPr>
-                        <a:t>Test/Unseen accuracy drop</a:t>
+                        <a:t>Train/Unseen accuracy drop</a:t>
                       </a:r>
                       <a:endParaRPr lang="en-SG" sz="1600" b="1" kern="1200" dirty="0">
                         <a:solidFill>
                           <a:schemeClr val="lt1"/>
                         </a:solidFill>
-                        <a:latin typeface="Calibri" panose="020F0502020204030204" pitchFamily="34" charset="0"/>
+                        <a:latin typeface="Arial" panose="020B0604020202020204" pitchFamily="34" charset="0"/>
                         <a:ea typeface="+mn-ea"/>
-                        <a:cs typeface="Calibri" panose="020F0502020204030204" pitchFamily="34" charset="0"/>
+                        <a:cs typeface="Arial" panose="020B0604020202020204" pitchFamily="34" charset="0"/>
                       </a:endParaRPr>
                     </a:p>
                   </a:txBody>
